--- a/assets/Dokumente/Projektstrukturplan_ALT+NEU.pptx
+++ b/assets/Dokumente/Projektstrukturplan_ALT+NEU.pptx
@@ -199,7 +199,7 @@
           <a:p>
             <a:fld id="{FC7AE508-14F6-44CE-AEA1-5035D67FD57A}" type="datetimeFigureOut">
               <a:rPr lang="de-DE" smtClean="0"/>
-              <a:t>03.09.2020</a:t>
+              <a:t>04.09.2020</a:t>
             </a:fld>
             <a:endParaRPr lang="de-DE"/>
           </a:p>
@@ -613,7 +613,7 @@
           <a:p>
             <a:fld id="{CCDD0C57-B1BF-4172-9EE3-D12EEE29DBA5}" type="datetimeFigureOut">
               <a:rPr lang="de-DE" smtClean="0"/>
-              <a:t>03.09.2020</a:t>
+              <a:t>04.09.2020</a:t>
             </a:fld>
             <a:endParaRPr lang="de-DE"/>
           </a:p>
@@ -811,7 +811,7 @@
           <a:p>
             <a:fld id="{CCDD0C57-B1BF-4172-9EE3-D12EEE29DBA5}" type="datetimeFigureOut">
               <a:rPr lang="de-DE" smtClean="0"/>
-              <a:t>03.09.2020</a:t>
+              <a:t>04.09.2020</a:t>
             </a:fld>
             <a:endParaRPr lang="de-DE"/>
           </a:p>
@@ -1019,7 +1019,7 @@
           <a:p>
             <a:fld id="{CCDD0C57-B1BF-4172-9EE3-D12EEE29DBA5}" type="datetimeFigureOut">
               <a:rPr lang="de-DE" smtClean="0"/>
-              <a:t>03.09.2020</a:t>
+              <a:t>04.09.2020</a:t>
             </a:fld>
             <a:endParaRPr lang="de-DE"/>
           </a:p>
@@ -1217,7 +1217,7 @@
           <a:p>
             <a:fld id="{CCDD0C57-B1BF-4172-9EE3-D12EEE29DBA5}" type="datetimeFigureOut">
               <a:rPr lang="de-DE" smtClean="0"/>
-              <a:t>03.09.2020</a:t>
+              <a:t>04.09.2020</a:t>
             </a:fld>
             <a:endParaRPr lang="de-DE"/>
           </a:p>
@@ -1492,7 +1492,7 @@
           <a:p>
             <a:fld id="{CCDD0C57-B1BF-4172-9EE3-D12EEE29DBA5}" type="datetimeFigureOut">
               <a:rPr lang="de-DE" smtClean="0"/>
-              <a:t>03.09.2020</a:t>
+              <a:t>04.09.2020</a:t>
             </a:fld>
             <a:endParaRPr lang="de-DE"/>
           </a:p>
@@ -1757,7 +1757,7 @@
           <a:p>
             <a:fld id="{CCDD0C57-B1BF-4172-9EE3-D12EEE29DBA5}" type="datetimeFigureOut">
               <a:rPr lang="de-DE" smtClean="0"/>
-              <a:t>03.09.2020</a:t>
+              <a:t>04.09.2020</a:t>
             </a:fld>
             <a:endParaRPr lang="de-DE"/>
           </a:p>
@@ -2169,7 +2169,7 @@
           <a:p>
             <a:fld id="{CCDD0C57-B1BF-4172-9EE3-D12EEE29DBA5}" type="datetimeFigureOut">
               <a:rPr lang="de-DE" smtClean="0"/>
-              <a:t>03.09.2020</a:t>
+              <a:t>04.09.2020</a:t>
             </a:fld>
             <a:endParaRPr lang="de-DE"/>
           </a:p>
@@ -2310,7 +2310,7 @@
           <a:p>
             <a:fld id="{CCDD0C57-B1BF-4172-9EE3-D12EEE29DBA5}" type="datetimeFigureOut">
               <a:rPr lang="de-DE" smtClean="0"/>
-              <a:t>03.09.2020</a:t>
+              <a:t>04.09.2020</a:t>
             </a:fld>
             <a:endParaRPr lang="de-DE"/>
           </a:p>
@@ -2423,7 +2423,7 @@
           <a:p>
             <a:fld id="{CCDD0C57-B1BF-4172-9EE3-D12EEE29DBA5}" type="datetimeFigureOut">
               <a:rPr lang="de-DE" smtClean="0"/>
-              <a:t>03.09.2020</a:t>
+              <a:t>04.09.2020</a:t>
             </a:fld>
             <a:endParaRPr lang="de-DE"/>
           </a:p>
@@ -2734,7 +2734,7 @@
           <a:p>
             <a:fld id="{CCDD0C57-B1BF-4172-9EE3-D12EEE29DBA5}" type="datetimeFigureOut">
               <a:rPr lang="de-DE" smtClean="0"/>
-              <a:t>03.09.2020</a:t>
+              <a:t>04.09.2020</a:t>
             </a:fld>
             <a:endParaRPr lang="de-DE"/>
           </a:p>
@@ -3022,7 +3022,7 @@
           <a:p>
             <a:fld id="{CCDD0C57-B1BF-4172-9EE3-D12EEE29DBA5}" type="datetimeFigureOut">
               <a:rPr lang="de-DE" smtClean="0"/>
-              <a:t>03.09.2020</a:t>
+              <a:t>04.09.2020</a:t>
             </a:fld>
             <a:endParaRPr lang="de-DE"/>
           </a:p>
@@ -3263,7 +3263,7 @@
           <a:p>
             <a:fld id="{CCDD0C57-B1BF-4172-9EE3-D12EEE29DBA5}" type="datetimeFigureOut">
               <a:rPr lang="de-DE" smtClean="0"/>
-              <a:t>03.09.2020</a:t>
+              <a:t>04.09.2020</a:t>
             </a:fld>
             <a:endParaRPr lang="de-DE"/>
           </a:p>
@@ -7414,7 +7414,7 @@
               <a:rPr lang="en-US" sz="3200" dirty="0">
                 <a:latin typeface="Berlin Sans FB Demi" panose="020E0802020502020306" pitchFamily="34" charset="0"/>
               </a:rPr>
-              <a:t>Run for the bachelor</a:t>
+              <a:t>Run for the bachelor - alt</a:t>
             </a:r>
           </a:p>
           <a:p>
@@ -10943,7 +10943,7 @@
         </p:spPr>
         <p:txBody>
           <a:bodyPr>
-            <a:normAutofit lnSpcReduction="10000"/>
+            <a:normAutofit fontScale="92500"/>
           </a:bodyPr>
           <a:lstStyle>
             <a:lvl1pPr marL="0" indent="0" algn="l" defTabSz="914377" rtl="0" eaLnBrk="1" latinLnBrk="0" hangingPunct="1">
@@ -10969,7 +10969,7 @@
               <a:rPr lang="en-US" sz="3200" dirty="0">
                 <a:latin typeface="Berlin Sans FB Demi" panose="020E0802020502020306" pitchFamily="34" charset="0"/>
               </a:rPr>
-              <a:t>Run for the bachelor</a:t>
+              <a:t>Run for the bachelor - neu</a:t>
             </a:r>
           </a:p>
           <a:p>

--- a/assets/Dokumente/Projektstrukturplan_ALT+NEU.pptx
+++ b/assets/Dokumente/Projektstrukturplan_ALT+NEU.pptx
@@ -199,7 +199,7 @@
           <a:p>
             <a:fld id="{FC7AE508-14F6-44CE-AEA1-5035D67FD57A}" type="datetimeFigureOut">
               <a:rPr lang="de-DE" smtClean="0"/>
-              <a:t>04.09.2020</a:t>
+              <a:t>07.09.2020</a:t>
             </a:fld>
             <a:endParaRPr lang="de-DE"/>
           </a:p>
@@ -613,7 +613,7 @@
           <a:p>
             <a:fld id="{CCDD0C57-B1BF-4172-9EE3-D12EEE29DBA5}" type="datetimeFigureOut">
               <a:rPr lang="de-DE" smtClean="0"/>
-              <a:t>04.09.2020</a:t>
+              <a:t>07.09.2020</a:t>
             </a:fld>
             <a:endParaRPr lang="de-DE"/>
           </a:p>
@@ -811,7 +811,7 @@
           <a:p>
             <a:fld id="{CCDD0C57-B1BF-4172-9EE3-D12EEE29DBA5}" type="datetimeFigureOut">
               <a:rPr lang="de-DE" smtClean="0"/>
-              <a:t>04.09.2020</a:t>
+              <a:t>07.09.2020</a:t>
             </a:fld>
             <a:endParaRPr lang="de-DE"/>
           </a:p>
@@ -1019,7 +1019,7 @@
           <a:p>
             <a:fld id="{CCDD0C57-B1BF-4172-9EE3-D12EEE29DBA5}" type="datetimeFigureOut">
               <a:rPr lang="de-DE" smtClean="0"/>
-              <a:t>04.09.2020</a:t>
+              <a:t>07.09.2020</a:t>
             </a:fld>
             <a:endParaRPr lang="de-DE"/>
           </a:p>
@@ -1217,7 +1217,7 @@
           <a:p>
             <a:fld id="{CCDD0C57-B1BF-4172-9EE3-D12EEE29DBA5}" type="datetimeFigureOut">
               <a:rPr lang="de-DE" smtClean="0"/>
-              <a:t>04.09.2020</a:t>
+              <a:t>07.09.2020</a:t>
             </a:fld>
             <a:endParaRPr lang="de-DE"/>
           </a:p>
@@ -1492,7 +1492,7 @@
           <a:p>
             <a:fld id="{CCDD0C57-B1BF-4172-9EE3-D12EEE29DBA5}" type="datetimeFigureOut">
               <a:rPr lang="de-DE" smtClean="0"/>
-              <a:t>04.09.2020</a:t>
+              <a:t>07.09.2020</a:t>
             </a:fld>
             <a:endParaRPr lang="de-DE"/>
           </a:p>
@@ -1757,7 +1757,7 @@
           <a:p>
             <a:fld id="{CCDD0C57-B1BF-4172-9EE3-D12EEE29DBA5}" type="datetimeFigureOut">
               <a:rPr lang="de-DE" smtClean="0"/>
-              <a:t>04.09.2020</a:t>
+              <a:t>07.09.2020</a:t>
             </a:fld>
             <a:endParaRPr lang="de-DE"/>
           </a:p>
@@ -2169,7 +2169,7 @@
           <a:p>
             <a:fld id="{CCDD0C57-B1BF-4172-9EE3-D12EEE29DBA5}" type="datetimeFigureOut">
               <a:rPr lang="de-DE" smtClean="0"/>
-              <a:t>04.09.2020</a:t>
+              <a:t>07.09.2020</a:t>
             </a:fld>
             <a:endParaRPr lang="de-DE"/>
           </a:p>
@@ -2310,7 +2310,7 @@
           <a:p>
             <a:fld id="{CCDD0C57-B1BF-4172-9EE3-D12EEE29DBA5}" type="datetimeFigureOut">
               <a:rPr lang="de-DE" smtClean="0"/>
-              <a:t>04.09.2020</a:t>
+              <a:t>07.09.2020</a:t>
             </a:fld>
             <a:endParaRPr lang="de-DE"/>
           </a:p>
@@ -2423,7 +2423,7 @@
           <a:p>
             <a:fld id="{CCDD0C57-B1BF-4172-9EE3-D12EEE29DBA5}" type="datetimeFigureOut">
               <a:rPr lang="de-DE" smtClean="0"/>
-              <a:t>04.09.2020</a:t>
+              <a:t>07.09.2020</a:t>
             </a:fld>
             <a:endParaRPr lang="de-DE"/>
           </a:p>
@@ -2734,7 +2734,7 @@
           <a:p>
             <a:fld id="{CCDD0C57-B1BF-4172-9EE3-D12EEE29DBA5}" type="datetimeFigureOut">
               <a:rPr lang="de-DE" smtClean="0"/>
-              <a:t>04.09.2020</a:t>
+              <a:t>07.09.2020</a:t>
             </a:fld>
             <a:endParaRPr lang="de-DE"/>
           </a:p>
@@ -3022,7 +3022,7 @@
           <a:p>
             <a:fld id="{CCDD0C57-B1BF-4172-9EE3-D12EEE29DBA5}" type="datetimeFigureOut">
               <a:rPr lang="de-DE" smtClean="0"/>
-              <a:t>04.09.2020</a:t>
+              <a:t>07.09.2020</a:t>
             </a:fld>
             <a:endParaRPr lang="de-DE"/>
           </a:p>
@@ -3263,7 +3263,7 @@
           <a:p>
             <a:fld id="{CCDD0C57-B1BF-4172-9EE3-D12EEE29DBA5}" type="datetimeFigureOut">
               <a:rPr lang="de-DE" smtClean="0"/>
-              <a:t>04.09.2020</a:t>
+              <a:t>07.09.2020</a:t>
             </a:fld>
             <a:endParaRPr lang="de-DE"/>
           </a:p>
@@ -11006,7 +11006,7 @@
         <p:spPr>
           <a:xfrm>
             <a:off x="5201495" y="2007610"/>
-            <a:ext cx="1845760" cy="707886"/>
+            <a:ext cx="1845760" cy="861774"/>
           </a:xfrm>
           <a:prstGeom prst="rect">
             <a:avLst/>
@@ -11086,6 +11086,21 @@
             <a:endParaRPr lang="de-DE" sz="1000" strike="sngStrike" dirty="0">
               <a:latin typeface="Graphik" panose="020B0503030202060203" pitchFamily="34" charset="77"/>
             </a:endParaRPr>
+          </a:p>
+          <a:p>
+            <a:pPr marL="171450" indent="-171450" fontAlgn="base">
+              <a:buClr>
+                <a:schemeClr val="accent1"/>
+              </a:buClr>
+              <a:buFont typeface="Wingdings" panose="05000000000000000000" pitchFamily="2" charset="2"/>
+              <a:buChar char="à"/>
+            </a:pPr>
+            <a:r>
+              <a:rPr lang="de-DE" sz="1000" dirty="0">
+                <a:latin typeface="Graphik" panose="020B0503030202060203" pitchFamily="34" charset="77"/>
+              </a:rPr>
+              <a:t>Game-Trailer</a:t>
+            </a:r>
           </a:p>
         </p:txBody>
       </p:sp>
@@ -15151,7 +15166,7 @@
         </p:nvSpPr>
         <p:spPr>
           <a:xfrm>
-            <a:off x="5266083" y="1763523"/>
+            <a:off x="5266083" y="1761646"/>
             <a:ext cx="126000" cy="126000"/>
           </a:xfrm>
           <a:prstGeom prst="ellipse">
@@ -15159,77 +15174,6 @@
           </a:prstGeom>
           <a:solidFill>
             <a:srgbClr val="92D050"/>
-          </a:solidFill>
-          <a:scene3d>
-            <a:camera prst="orthographicFront">
-              <a:rot lat="0" lon="0" rev="0"/>
-            </a:camera>
-            <a:lightRig rig="contrasting" dir="t">
-              <a:rot lat="0" lon="0" rev="1200000"/>
-            </a:lightRig>
-          </a:scene3d>
-          <a:sp3d z="300000" contourW="12700" prstMaterial="flat">
-            <a:bevelT w="177800" h="254000"/>
-            <a:bevelB w="152400"/>
-          </a:sp3d>
-        </p:spPr>
-        <p:style>
-          <a:lnRef idx="0">
-            <a:schemeClr val="accent1">
-              <a:hueOff val="0"/>
-              <a:satOff val="0"/>
-              <a:lumOff val="0"/>
-              <a:alphaOff val="0"/>
-            </a:schemeClr>
-          </a:lnRef>
-          <a:fillRef idx="1">
-            <a:schemeClr val="lt1">
-              <a:hueOff val="0"/>
-              <a:satOff val="0"/>
-              <a:lumOff val="0"/>
-              <a:alphaOff val="0"/>
-            </a:schemeClr>
-          </a:fillRef>
-          <a:effectRef idx="0">
-            <a:schemeClr val="lt1">
-              <a:hueOff val="0"/>
-              <a:satOff val="0"/>
-              <a:lumOff val="0"/>
-              <a:alphaOff val="0"/>
-            </a:schemeClr>
-          </a:effectRef>
-          <a:fontRef idx="minor">
-            <a:schemeClr val="dk1">
-              <a:hueOff val="0"/>
-              <a:satOff val="0"/>
-              <a:lumOff val="0"/>
-              <a:alphaOff val="0"/>
-            </a:schemeClr>
-          </a:fontRef>
-        </p:style>
-      </p:sp>
-      <p:sp>
-        <p:nvSpPr>
-          <p:cNvPr id="27" name="Oval 18">
-            <a:extLst>
-              <a:ext uri="{FF2B5EF4-FFF2-40B4-BE49-F238E27FC236}">
-                <a16:creationId xmlns:a16="http://schemas.microsoft.com/office/drawing/2014/main" id="{18A58952-FFBB-4809-8DC0-AD8BF21A8C0C}"/>
-              </a:ext>
-            </a:extLst>
-          </p:cNvPr>
-          <p:cNvSpPr/>
-          <p:nvPr/>
-        </p:nvSpPr>
-        <p:spPr>
-          <a:xfrm>
-            <a:off x="5266083" y="1916720"/>
-            <a:ext cx="126000" cy="126000"/>
-          </a:xfrm>
-          <a:prstGeom prst="ellipse">
-            <a:avLst/>
-          </a:prstGeom>
-          <a:solidFill>
-            <a:srgbClr val="008899"/>
           </a:solidFill>
           <a:scene3d>
             <a:camera prst="orthographicFront">
@@ -17602,77 +17546,6 @@
       </p:sp>
       <p:sp>
         <p:nvSpPr>
-          <p:cNvPr id="142" name="Oval 18">
-            <a:extLst>
-              <a:ext uri="{FF2B5EF4-FFF2-40B4-BE49-F238E27FC236}">
-                <a16:creationId xmlns:a16="http://schemas.microsoft.com/office/drawing/2014/main" id="{D58EDD5A-AB16-40F3-9DAC-E96C5AA2691A}"/>
-              </a:ext>
-            </a:extLst>
-          </p:cNvPr>
-          <p:cNvSpPr/>
-          <p:nvPr/>
-        </p:nvSpPr>
-        <p:spPr>
-          <a:xfrm>
-            <a:off x="6981822" y="3712806"/>
-            <a:ext cx="126000" cy="126000"/>
-          </a:xfrm>
-          <a:prstGeom prst="ellipse">
-            <a:avLst/>
-          </a:prstGeom>
-          <a:solidFill>
-            <a:srgbClr val="00B0F0"/>
-          </a:solidFill>
-          <a:scene3d>
-            <a:camera prst="orthographicFront">
-              <a:rot lat="0" lon="0" rev="0"/>
-            </a:camera>
-            <a:lightRig rig="contrasting" dir="t">
-              <a:rot lat="0" lon="0" rev="1200000"/>
-            </a:lightRig>
-          </a:scene3d>
-          <a:sp3d z="300000" contourW="12700" prstMaterial="flat">
-            <a:bevelT w="177800" h="254000"/>
-            <a:bevelB w="152400"/>
-          </a:sp3d>
-        </p:spPr>
-        <p:style>
-          <a:lnRef idx="0">
-            <a:schemeClr val="accent1">
-              <a:hueOff val="0"/>
-              <a:satOff val="0"/>
-              <a:lumOff val="0"/>
-              <a:alphaOff val="0"/>
-            </a:schemeClr>
-          </a:lnRef>
-          <a:fillRef idx="1">
-            <a:schemeClr val="lt1">
-              <a:hueOff val="0"/>
-              <a:satOff val="0"/>
-              <a:lumOff val="0"/>
-              <a:alphaOff val="0"/>
-            </a:schemeClr>
-          </a:fillRef>
-          <a:effectRef idx="0">
-            <a:schemeClr val="lt1">
-              <a:hueOff val="0"/>
-              <a:satOff val="0"/>
-              <a:lumOff val="0"/>
-              <a:alphaOff val="0"/>
-            </a:schemeClr>
-          </a:effectRef>
-          <a:fontRef idx="minor">
-            <a:schemeClr val="dk1">
-              <a:hueOff val="0"/>
-              <a:satOff val="0"/>
-              <a:lumOff val="0"/>
-              <a:alphaOff val="0"/>
-            </a:schemeClr>
-          </a:fontRef>
-        </p:style>
-      </p:sp>
-      <p:sp>
-        <p:nvSpPr>
           <p:cNvPr id="144" name="Oval 18">
             <a:extLst>
               <a:ext uri="{FF2B5EF4-FFF2-40B4-BE49-F238E27FC236}">
@@ -17685,7 +17558,7 @@
         </p:nvSpPr>
         <p:spPr>
           <a:xfrm>
-            <a:off x="6843381" y="3712806"/>
+            <a:off x="6980279" y="3712889"/>
             <a:ext cx="126000" cy="126000"/>
           </a:xfrm>
           <a:prstGeom prst="ellipse">
@@ -17744,84 +17617,6 @@
       </p:sp>
       <p:sp>
         <p:nvSpPr>
-          <p:cNvPr id="146" name="Oval 14">
-            <a:extLst>
-              <a:ext uri="{FF2B5EF4-FFF2-40B4-BE49-F238E27FC236}">
-                <a16:creationId xmlns:a16="http://schemas.microsoft.com/office/drawing/2014/main" id="{DC85CCDF-00EF-482A-B951-2E0EF04E11AC}"/>
-              </a:ext>
-            </a:extLst>
-          </p:cNvPr>
-          <p:cNvSpPr/>
-          <p:nvPr/>
-        </p:nvSpPr>
-        <p:spPr>
-          <a:xfrm>
-            <a:off x="6706076" y="3712806"/>
-            <a:ext cx="125708" cy="126000"/>
-          </a:xfrm>
-          <a:prstGeom prst="ellipse">
-            <a:avLst/>
-          </a:prstGeom>
-          <a:solidFill>
-            <a:srgbClr val="FC6B22"/>
-          </a:solidFill>
-          <a:scene3d>
-            <a:camera prst="orthographicFront">
-              <a:rot lat="0" lon="0" rev="0"/>
-            </a:camera>
-            <a:lightRig rig="contrasting" dir="t">
-              <a:rot lat="0" lon="0" rev="1200000"/>
-            </a:lightRig>
-          </a:scene3d>
-          <a:sp3d z="300000" contourW="12700" prstMaterial="flat">
-            <a:bevelT w="177800" h="254000"/>
-            <a:bevelB w="152400"/>
-          </a:sp3d>
-        </p:spPr>
-        <p:style>
-          <a:lnRef idx="0">
-            <a:schemeClr val="accent1">
-              <a:hueOff val="0"/>
-              <a:satOff val="0"/>
-              <a:lumOff val="0"/>
-              <a:alphaOff val="0"/>
-            </a:schemeClr>
-          </a:lnRef>
-          <a:fillRef idx="1">
-            <a:schemeClr val="lt1">
-              <a:hueOff val="0"/>
-              <a:satOff val="0"/>
-              <a:lumOff val="0"/>
-              <a:alphaOff val="0"/>
-            </a:schemeClr>
-          </a:fillRef>
-          <a:effectRef idx="0">
-            <a:schemeClr val="lt1">
-              <a:hueOff val="0"/>
-              <a:satOff val="0"/>
-              <a:lumOff val="0"/>
-              <a:alphaOff val="0"/>
-            </a:schemeClr>
-          </a:effectRef>
-          <a:fontRef idx="minor">
-            <a:schemeClr val="dk1">
-              <a:hueOff val="0"/>
-              <a:satOff val="0"/>
-              <a:lumOff val="0"/>
-              <a:alphaOff val="0"/>
-            </a:schemeClr>
-          </a:fontRef>
-        </p:style>
-        <p:txBody>
-          <a:bodyPr/>
-          <a:lstStyle/>
-          <a:p>
-            <a:endParaRPr lang="de-DE" dirty="0"/>
-          </a:p>
-        </p:txBody>
-      </p:sp>
-      <p:sp>
-        <p:nvSpPr>
           <p:cNvPr id="148" name="Oval 16">
             <a:extLst>
               <a:ext uri="{FF2B5EF4-FFF2-40B4-BE49-F238E27FC236}">
@@ -17834,7 +17629,7 @@
         </p:nvSpPr>
         <p:spPr>
           <a:xfrm>
-            <a:off x="6571318" y="3712806"/>
+            <a:off x="6833419" y="3712889"/>
             <a:ext cx="126000" cy="126000"/>
           </a:xfrm>
           <a:prstGeom prst="ellipse">
@@ -17893,77 +17688,6 @@
       </p:sp>
       <p:sp>
         <p:nvSpPr>
-          <p:cNvPr id="150" name="Oval 18">
-            <a:extLst>
-              <a:ext uri="{FF2B5EF4-FFF2-40B4-BE49-F238E27FC236}">
-                <a16:creationId xmlns:a16="http://schemas.microsoft.com/office/drawing/2014/main" id="{982D991C-50EE-4835-A2D1-B84F5257DDE5}"/>
-              </a:ext>
-            </a:extLst>
-          </p:cNvPr>
-          <p:cNvSpPr/>
-          <p:nvPr/>
-        </p:nvSpPr>
-        <p:spPr>
-          <a:xfrm>
-            <a:off x="6981822" y="3867290"/>
-            <a:ext cx="126000" cy="126000"/>
-          </a:xfrm>
-          <a:prstGeom prst="ellipse">
-            <a:avLst/>
-          </a:prstGeom>
-          <a:solidFill>
-            <a:srgbClr val="00B0F0"/>
-          </a:solidFill>
-          <a:scene3d>
-            <a:camera prst="orthographicFront">
-              <a:rot lat="0" lon="0" rev="0"/>
-            </a:camera>
-            <a:lightRig rig="contrasting" dir="t">
-              <a:rot lat="0" lon="0" rev="1200000"/>
-            </a:lightRig>
-          </a:scene3d>
-          <a:sp3d z="300000" contourW="12700" prstMaterial="flat">
-            <a:bevelT w="177800" h="254000"/>
-            <a:bevelB w="152400"/>
-          </a:sp3d>
-        </p:spPr>
-        <p:style>
-          <a:lnRef idx="0">
-            <a:schemeClr val="accent1">
-              <a:hueOff val="0"/>
-              <a:satOff val="0"/>
-              <a:lumOff val="0"/>
-              <a:alphaOff val="0"/>
-            </a:schemeClr>
-          </a:lnRef>
-          <a:fillRef idx="1">
-            <a:schemeClr val="lt1">
-              <a:hueOff val="0"/>
-              <a:satOff val="0"/>
-              <a:lumOff val="0"/>
-              <a:alphaOff val="0"/>
-            </a:schemeClr>
-          </a:fillRef>
-          <a:effectRef idx="0">
-            <a:schemeClr val="lt1">
-              <a:hueOff val="0"/>
-              <a:satOff val="0"/>
-              <a:lumOff val="0"/>
-              <a:alphaOff val="0"/>
-            </a:schemeClr>
-          </a:effectRef>
-          <a:fontRef idx="minor">
-            <a:schemeClr val="dk1">
-              <a:hueOff val="0"/>
-              <a:satOff val="0"/>
-              <a:lumOff val="0"/>
-              <a:alphaOff val="0"/>
-            </a:schemeClr>
-          </a:fontRef>
-        </p:style>
-      </p:sp>
-      <p:sp>
-        <p:nvSpPr>
           <p:cNvPr id="152" name="Oval 18">
             <a:extLst>
               <a:ext uri="{FF2B5EF4-FFF2-40B4-BE49-F238E27FC236}">
@@ -17976,7 +17700,7 @@
         </p:nvSpPr>
         <p:spPr>
           <a:xfrm>
-            <a:off x="6843381" y="3867290"/>
+            <a:off x="6980279" y="3867373"/>
             <a:ext cx="126000" cy="126000"/>
           </a:xfrm>
           <a:prstGeom prst="ellipse">
@@ -18035,84 +17759,6 @@
       </p:sp>
       <p:sp>
         <p:nvSpPr>
-          <p:cNvPr id="154" name="Oval 14">
-            <a:extLst>
-              <a:ext uri="{FF2B5EF4-FFF2-40B4-BE49-F238E27FC236}">
-                <a16:creationId xmlns:a16="http://schemas.microsoft.com/office/drawing/2014/main" id="{B34592ED-DF7C-4FA7-ABC8-FEE814B6F08F}"/>
-              </a:ext>
-            </a:extLst>
-          </p:cNvPr>
-          <p:cNvSpPr/>
-          <p:nvPr/>
-        </p:nvSpPr>
-        <p:spPr>
-          <a:xfrm>
-            <a:off x="6706076" y="3867290"/>
-            <a:ext cx="125708" cy="126000"/>
-          </a:xfrm>
-          <a:prstGeom prst="ellipse">
-            <a:avLst/>
-          </a:prstGeom>
-          <a:solidFill>
-            <a:srgbClr val="FC6B22"/>
-          </a:solidFill>
-          <a:scene3d>
-            <a:camera prst="orthographicFront">
-              <a:rot lat="0" lon="0" rev="0"/>
-            </a:camera>
-            <a:lightRig rig="contrasting" dir="t">
-              <a:rot lat="0" lon="0" rev="1200000"/>
-            </a:lightRig>
-          </a:scene3d>
-          <a:sp3d z="300000" contourW="12700" prstMaterial="flat">
-            <a:bevelT w="177800" h="254000"/>
-            <a:bevelB w="152400"/>
-          </a:sp3d>
-        </p:spPr>
-        <p:style>
-          <a:lnRef idx="0">
-            <a:schemeClr val="accent1">
-              <a:hueOff val="0"/>
-              <a:satOff val="0"/>
-              <a:lumOff val="0"/>
-              <a:alphaOff val="0"/>
-            </a:schemeClr>
-          </a:lnRef>
-          <a:fillRef idx="1">
-            <a:schemeClr val="lt1">
-              <a:hueOff val="0"/>
-              <a:satOff val="0"/>
-              <a:lumOff val="0"/>
-              <a:alphaOff val="0"/>
-            </a:schemeClr>
-          </a:fillRef>
-          <a:effectRef idx="0">
-            <a:schemeClr val="lt1">
-              <a:hueOff val="0"/>
-              <a:satOff val="0"/>
-              <a:lumOff val="0"/>
-              <a:alphaOff val="0"/>
-            </a:schemeClr>
-          </a:effectRef>
-          <a:fontRef idx="minor">
-            <a:schemeClr val="dk1">
-              <a:hueOff val="0"/>
-              <a:satOff val="0"/>
-              <a:lumOff val="0"/>
-              <a:alphaOff val="0"/>
-            </a:schemeClr>
-          </a:fontRef>
-        </p:style>
-        <p:txBody>
-          <a:bodyPr/>
-          <a:lstStyle/>
-          <a:p>
-            <a:endParaRPr lang="de-DE" dirty="0"/>
-          </a:p>
-        </p:txBody>
-      </p:sp>
-      <p:sp>
-        <p:nvSpPr>
           <p:cNvPr id="156" name="Oval 16">
             <a:extLst>
               <a:ext uri="{FF2B5EF4-FFF2-40B4-BE49-F238E27FC236}">
@@ -18125,7 +17771,7 @@
         </p:nvSpPr>
         <p:spPr>
           <a:xfrm>
-            <a:off x="6571318" y="3867290"/>
+            <a:off x="6833419" y="3867373"/>
             <a:ext cx="126000" cy="126000"/>
           </a:xfrm>
           <a:prstGeom prst="ellipse">
@@ -18133,77 +17779,6 @@
           </a:prstGeom>
           <a:solidFill>
             <a:srgbClr val="92D050"/>
-          </a:solidFill>
-          <a:scene3d>
-            <a:camera prst="orthographicFront">
-              <a:rot lat="0" lon="0" rev="0"/>
-            </a:camera>
-            <a:lightRig rig="contrasting" dir="t">
-              <a:rot lat="0" lon="0" rev="1200000"/>
-            </a:lightRig>
-          </a:scene3d>
-          <a:sp3d z="300000" contourW="12700" prstMaterial="flat">
-            <a:bevelT w="177800" h="254000"/>
-            <a:bevelB w="152400"/>
-          </a:sp3d>
-        </p:spPr>
-        <p:style>
-          <a:lnRef idx="0">
-            <a:schemeClr val="accent1">
-              <a:hueOff val="0"/>
-              <a:satOff val="0"/>
-              <a:lumOff val="0"/>
-              <a:alphaOff val="0"/>
-            </a:schemeClr>
-          </a:lnRef>
-          <a:fillRef idx="1">
-            <a:schemeClr val="lt1">
-              <a:hueOff val="0"/>
-              <a:satOff val="0"/>
-              <a:lumOff val="0"/>
-              <a:alphaOff val="0"/>
-            </a:schemeClr>
-          </a:fillRef>
-          <a:effectRef idx="0">
-            <a:schemeClr val="lt1">
-              <a:hueOff val="0"/>
-              <a:satOff val="0"/>
-              <a:lumOff val="0"/>
-              <a:alphaOff val="0"/>
-            </a:schemeClr>
-          </a:effectRef>
-          <a:fontRef idx="minor">
-            <a:schemeClr val="dk1">
-              <a:hueOff val="0"/>
-              <a:satOff val="0"/>
-              <a:lumOff val="0"/>
-              <a:alphaOff val="0"/>
-            </a:schemeClr>
-          </a:fontRef>
-        </p:style>
-      </p:sp>
-      <p:sp>
-        <p:nvSpPr>
-          <p:cNvPr id="158" name="Oval 18">
-            <a:extLst>
-              <a:ext uri="{FF2B5EF4-FFF2-40B4-BE49-F238E27FC236}">
-                <a16:creationId xmlns:a16="http://schemas.microsoft.com/office/drawing/2014/main" id="{4B75D544-D629-4A4A-8C70-C02562741D0A}"/>
-              </a:ext>
-            </a:extLst>
-          </p:cNvPr>
-          <p:cNvSpPr/>
-          <p:nvPr/>
-        </p:nvSpPr>
-        <p:spPr>
-          <a:xfrm>
-            <a:off x="6980279" y="4020306"/>
-            <a:ext cx="126000" cy="126000"/>
-          </a:xfrm>
-          <a:prstGeom prst="ellipse">
-            <a:avLst/>
-          </a:prstGeom>
-          <a:solidFill>
-            <a:srgbClr val="008899"/>
           </a:solidFill>
           <a:scene3d>
             <a:camera prst="orthographicFront">
@@ -18908,77 +18483,6 @@
       </p:sp>
       <p:sp>
         <p:nvSpPr>
-          <p:cNvPr id="178" name="Oval 18">
-            <a:extLst>
-              <a:ext uri="{FF2B5EF4-FFF2-40B4-BE49-F238E27FC236}">
-                <a16:creationId xmlns:a16="http://schemas.microsoft.com/office/drawing/2014/main" id="{10A5448A-50D6-4A5E-99F3-B6DBB8878A80}"/>
-              </a:ext>
-            </a:extLst>
-          </p:cNvPr>
-          <p:cNvSpPr/>
-          <p:nvPr/>
-        </p:nvSpPr>
-        <p:spPr>
-          <a:xfrm>
-            <a:off x="5272342" y="6258161"/>
-            <a:ext cx="126000" cy="126000"/>
-          </a:xfrm>
-          <a:prstGeom prst="ellipse">
-            <a:avLst/>
-          </a:prstGeom>
-          <a:solidFill>
-            <a:srgbClr val="00B0F0"/>
-          </a:solidFill>
-          <a:scene3d>
-            <a:camera prst="orthographicFront">
-              <a:rot lat="0" lon="0" rev="0"/>
-            </a:camera>
-            <a:lightRig rig="contrasting" dir="t">
-              <a:rot lat="0" lon="0" rev="1200000"/>
-            </a:lightRig>
-          </a:scene3d>
-          <a:sp3d z="300000" contourW="12700" prstMaterial="flat">
-            <a:bevelT w="177800" h="254000"/>
-            <a:bevelB w="152400"/>
-          </a:sp3d>
-        </p:spPr>
-        <p:style>
-          <a:lnRef idx="0">
-            <a:schemeClr val="accent1">
-              <a:hueOff val="0"/>
-              <a:satOff val="0"/>
-              <a:lumOff val="0"/>
-              <a:alphaOff val="0"/>
-            </a:schemeClr>
-          </a:lnRef>
-          <a:fillRef idx="1">
-            <a:schemeClr val="lt1">
-              <a:hueOff val="0"/>
-              <a:satOff val="0"/>
-              <a:lumOff val="0"/>
-              <a:alphaOff val="0"/>
-            </a:schemeClr>
-          </a:fillRef>
-          <a:effectRef idx="0">
-            <a:schemeClr val="lt1">
-              <a:hueOff val="0"/>
-              <a:satOff val="0"/>
-              <a:lumOff val="0"/>
-              <a:alphaOff val="0"/>
-            </a:schemeClr>
-          </a:effectRef>
-          <a:fontRef idx="minor">
-            <a:schemeClr val="dk1">
-              <a:hueOff val="0"/>
-              <a:satOff val="0"/>
-              <a:lumOff val="0"/>
-              <a:alphaOff val="0"/>
-            </a:schemeClr>
-          </a:fontRef>
-        </p:style>
-      </p:sp>
-      <p:sp>
-        <p:nvSpPr>
           <p:cNvPr id="180" name="Oval 18">
             <a:extLst>
               <a:ext uri="{FF2B5EF4-FFF2-40B4-BE49-F238E27FC236}">
@@ -18991,7 +18495,7 @@
         </p:nvSpPr>
         <p:spPr>
           <a:xfrm>
-            <a:off x="5138495" y="6258161"/>
+            <a:off x="5273612" y="6259217"/>
             <a:ext cx="126000" cy="126000"/>
           </a:xfrm>
           <a:prstGeom prst="ellipse">
@@ -19062,7 +18566,7 @@
         </p:nvSpPr>
         <p:spPr>
           <a:xfrm>
-            <a:off x="4997439" y="6258161"/>
+            <a:off x="5132556" y="6259217"/>
             <a:ext cx="126000" cy="126000"/>
           </a:xfrm>
           <a:prstGeom prst="ellipse">
@@ -19070,148 +18574,6 @@
           </a:prstGeom>
           <a:solidFill>
             <a:srgbClr val="92D050"/>
-          </a:solidFill>
-          <a:scene3d>
-            <a:camera prst="orthographicFront">
-              <a:rot lat="0" lon="0" rev="0"/>
-            </a:camera>
-            <a:lightRig rig="contrasting" dir="t">
-              <a:rot lat="0" lon="0" rev="1200000"/>
-            </a:lightRig>
-          </a:scene3d>
-          <a:sp3d z="300000" contourW="12700" prstMaterial="flat">
-            <a:bevelT w="177800" h="254000"/>
-            <a:bevelB w="152400"/>
-          </a:sp3d>
-        </p:spPr>
-        <p:style>
-          <a:lnRef idx="0">
-            <a:schemeClr val="accent1">
-              <a:hueOff val="0"/>
-              <a:satOff val="0"/>
-              <a:lumOff val="0"/>
-              <a:alphaOff val="0"/>
-            </a:schemeClr>
-          </a:lnRef>
-          <a:fillRef idx="1">
-            <a:schemeClr val="lt1">
-              <a:hueOff val="0"/>
-              <a:satOff val="0"/>
-              <a:lumOff val="0"/>
-              <a:alphaOff val="0"/>
-            </a:schemeClr>
-          </a:fillRef>
-          <a:effectRef idx="0">
-            <a:schemeClr val="lt1">
-              <a:hueOff val="0"/>
-              <a:satOff val="0"/>
-              <a:lumOff val="0"/>
-              <a:alphaOff val="0"/>
-            </a:schemeClr>
-          </a:effectRef>
-          <a:fontRef idx="minor">
-            <a:schemeClr val="dk1">
-              <a:hueOff val="0"/>
-              <a:satOff val="0"/>
-              <a:lumOff val="0"/>
-              <a:alphaOff val="0"/>
-            </a:schemeClr>
-          </a:fontRef>
-        </p:style>
-      </p:sp>
-      <p:sp>
-        <p:nvSpPr>
-          <p:cNvPr id="194" name="Oval 18">
-            <a:extLst>
-              <a:ext uri="{FF2B5EF4-FFF2-40B4-BE49-F238E27FC236}">
-                <a16:creationId xmlns:a16="http://schemas.microsoft.com/office/drawing/2014/main" id="{B56362B6-8620-452F-94E5-3ABB9047B433}"/>
-              </a:ext>
-            </a:extLst>
-          </p:cNvPr>
-          <p:cNvSpPr/>
-          <p:nvPr/>
-        </p:nvSpPr>
-        <p:spPr>
-          <a:xfrm>
-            <a:off x="6436560" y="3712806"/>
-            <a:ext cx="126000" cy="126000"/>
-          </a:xfrm>
-          <a:prstGeom prst="ellipse">
-            <a:avLst/>
-          </a:prstGeom>
-          <a:solidFill>
-            <a:srgbClr val="008899"/>
-          </a:solidFill>
-          <a:scene3d>
-            <a:camera prst="orthographicFront">
-              <a:rot lat="0" lon="0" rev="0"/>
-            </a:camera>
-            <a:lightRig rig="contrasting" dir="t">
-              <a:rot lat="0" lon="0" rev="1200000"/>
-            </a:lightRig>
-          </a:scene3d>
-          <a:sp3d z="300000" contourW="12700" prstMaterial="flat">
-            <a:bevelT w="177800" h="254000"/>
-            <a:bevelB w="152400"/>
-          </a:sp3d>
-        </p:spPr>
-        <p:style>
-          <a:lnRef idx="0">
-            <a:schemeClr val="accent1">
-              <a:hueOff val="0"/>
-              <a:satOff val="0"/>
-              <a:lumOff val="0"/>
-              <a:alphaOff val="0"/>
-            </a:schemeClr>
-          </a:lnRef>
-          <a:fillRef idx="1">
-            <a:schemeClr val="lt1">
-              <a:hueOff val="0"/>
-              <a:satOff val="0"/>
-              <a:lumOff val="0"/>
-              <a:alphaOff val="0"/>
-            </a:schemeClr>
-          </a:fillRef>
-          <a:effectRef idx="0">
-            <a:schemeClr val="lt1">
-              <a:hueOff val="0"/>
-              <a:satOff val="0"/>
-              <a:lumOff val="0"/>
-              <a:alphaOff val="0"/>
-            </a:schemeClr>
-          </a:effectRef>
-          <a:fontRef idx="minor">
-            <a:schemeClr val="dk1">
-              <a:hueOff val="0"/>
-              <a:satOff val="0"/>
-              <a:lumOff val="0"/>
-              <a:alphaOff val="0"/>
-            </a:schemeClr>
-          </a:fontRef>
-        </p:style>
-      </p:sp>
-      <p:sp>
-        <p:nvSpPr>
-          <p:cNvPr id="196" name="Oval 18">
-            <a:extLst>
-              <a:ext uri="{FF2B5EF4-FFF2-40B4-BE49-F238E27FC236}">
-                <a16:creationId xmlns:a16="http://schemas.microsoft.com/office/drawing/2014/main" id="{48CE408E-49A3-45C7-8BE8-E1F13E04B780}"/>
-              </a:ext>
-            </a:extLst>
-          </p:cNvPr>
-          <p:cNvSpPr/>
-          <p:nvPr/>
-        </p:nvSpPr>
-        <p:spPr>
-          <a:xfrm>
-            <a:off x="6436560" y="3867290"/>
-            <a:ext cx="126000" cy="126000"/>
-          </a:xfrm>
-          <a:prstGeom prst="ellipse">
-            <a:avLst/>
-          </a:prstGeom>
-          <a:solidFill>
-            <a:srgbClr val="008899"/>
           </a:solidFill>
           <a:scene3d>
             <a:camera prst="orthographicFront">
@@ -21455,6 +20817,517 @@
           </a:prstGeom>
           <a:solidFill>
             <a:srgbClr val="008899"/>
+          </a:solidFill>
+          <a:scene3d>
+            <a:camera prst="orthographicFront">
+              <a:rot lat="0" lon="0" rev="0"/>
+            </a:camera>
+            <a:lightRig rig="contrasting" dir="t">
+              <a:rot lat="0" lon="0" rev="1200000"/>
+            </a:lightRig>
+          </a:scene3d>
+          <a:sp3d z="300000" contourW="12700" prstMaterial="flat">
+            <a:bevelT w="177800" h="254000"/>
+            <a:bevelB w="152400"/>
+          </a:sp3d>
+        </p:spPr>
+        <p:style>
+          <a:lnRef idx="0">
+            <a:schemeClr val="accent1">
+              <a:hueOff val="0"/>
+              <a:satOff val="0"/>
+              <a:lumOff val="0"/>
+              <a:alphaOff val="0"/>
+            </a:schemeClr>
+          </a:lnRef>
+          <a:fillRef idx="1">
+            <a:schemeClr val="lt1">
+              <a:hueOff val="0"/>
+              <a:satOff val="0"/>
+              <a:lumOff val="0"/>
+              <a:alphaOff val="0"/>
+            </a:schemeClr>
+          </a:fillRef>
+          <a:effectRef idx="0">
+            <a:schemeClr val="lt1">
+              <a:hueOff val="0"/>
+              <a:satOff val="0"/>
+              <a:lumOff val="0"/>
+              <a:alphaOff val="0"/>
+            </a:schemeClr>
+          </a:effectRef>
+          <a:fontRef idx="minor">
+            <a:schemeClr val="dk1">
+              <a:hueOff val="0"/>
+              <a:satOff val="0"/>
+              <a:lumOff val="0"/>
+              <a:alphaOff val="0"/>
+            </a:schemeClr>
+          </a:fontRef>
+        </p:style>
+      </p:sp>
+      <p:sp>
+        <p:nvSpPr>
+          <p:cNvPr id="18" name="Oval 16">
+            <a:extLst>
+              <a:ext uri="{FF2B5EF4-FFF2-40B4-BE49-F238E27FC236}">
+                <a16:creationId xmlns:a16="http://schemas.microsoft.com/office/drawing/2014/main" id="{E59DD8AE-595F-4141-BD04-F6873B019BCD}"/>
+              </a:ext>
+            </a:extLst>
+          </p:cNvPr>
+          <p:cNvSpPr/>
+          <p:nvPr/>
+        </p:nvSpPr>
+        <p:spPr>
+          <a:xfrm>
+            <a:off x="5266336" y="2695944"/>
+            <a:ext cx="126000" cy="126000"/>
+          </a:xfrm>
+          <a:prstGeom prst="ellipse">
+            <a:avLst/>
+          </a:prstGeom>
+          <a:solidFill>
+            <a:srgbClr val="92D050"/>
+          </a:solidFill>
+          <a:scene3d>
+            <a:camera prst="orthographicFront">
+              <a:rot lat="0" lon="0" rev="0"/>
+            </a:camera>
+            <a:lightRig rig="contrasting" dir="t">
+              <a:rot lat="0" lon="0" rev="1200000"/>
+            </a:lightRig>
+          </a:scene3d>
+          <a:sp3d z="300000" contourW="12700" prstMaterial="flat">
+            <a:bevelT w="177800" h="254000"/>
+            <a:bevelB w="152400"/>
+          </a:sp3d>
+        </p:spPr>
+        <p:style>
+          <a:lnRef idx="0">
+            <a:schemeClr val="accent1">
+              <a:hueOff val="0"/>
+              <a:satOff val="0"/>
+              <a:lumOff val="0"/>
+              <a:alphaOff val="0"/>
+            </a:schemeClr>
+          </a:lnRef>
+          <a:fillRef idx="1">
+            <a:schemeClr val="lt1">
+              <a:hueOff val="0"/>
+              <a:satOff val="0"/>
+              <a:lumOff val="0"/>
+              <a:alphaOff val="0"/>
+            </a:schemeClr>
+          </a:fillRef>
+          <a:effectRef idx="0">
+            <a:schemeClr val="lt1">
+              <a:hueOff val="0"/>
+              <a:satOff val="0"/>
+              <a:lumOff val="0"/>
+              <a:alphaOff val="0"/>
+            </a:schemeClr>
+          </a:effectRef>
+          <a:fontRef idx="minor">
+            <a:schemeClr val="dk1">
+              <a:hueOff val="0"/>
+              <a:satOff val="0"/>
+              <a:lumOff val="0"/>
+              <a:alphaOff val="0"/>
+            </a:schemeClr>
+          </a:fontRef>
+        </p:style>
+      </p:sp>
+      <p:sp>
+        <p:nvSpPr>
+          <p:cNvPr id="225" name="Oval 14">
+            <a:extLst>
+              <a:ext uri="{FF2B5EF4-FFF2-40B4-BE49-F238E27FC236}">
+                <a16:creationId xmlns:a16="http://schemas.microsoft.com/office/drawing/2014/main" id="{1B8ABB74-B8B4-4089-A6FF-97ABDF12DED1}"/>
+              </a:ext>
+            </a:extLst>
+          </p:cNvPr>
+          <p:cNvSpPr/>
+          <p:nvPr/>
+        </p:nvSpPr>
+        <p:spPr>
+          <a:xfrm>
+            <a:off x="5261143" y="1921154"/>
+            <a:ext cx="125708" cy="126000"/>
+          </a:xfrm>
+          <a:prstGeom prst="ellipse">
+            <a:avLst/>
+          </a:prstGeom>
+          <a:solidFill>
+            <a:srgbClr val="FC6B22"/>
+          </a:solidFill>
+          <a:scene3d>
+            <a:camera prst="orthographicFront">
+              <a:rot lat="0" lon="0" rev="0"/>
+            </a:camera>
+            <a:lightRig rig="contrasting" dir="t">
+              <a:rot lat="0" lon="0" rev="1200000"/>
+            </a:lightRig>
+          </a:scene3d>
+          <a:sp3d z="300000" contourW="12700" prstMaterial="flat">
+            <a:bevelT w="177800" h="254000"/>
+            <a:bevelB w="152400"/>
+          </a:sp3d>
+        </p:spPr>
+        <p:style>
+          <a:lnRef idx="0">
+            <a:schemeClr val="accent1">
+              <a:hueOff val="0"/>
+              <a:satOff val="0"/>
+              <a:lumOff val="0"/>
+              <a:alphaOff val="0"/>
+            </a:schemeClr>
+          </a:lnRef>
+          <a:fillRef idx="1">
+            <a:schemeClr val="lt1">
+              <a:hueOff val="0"/>
+              <a:satOff val="0"/>
+              <a:lumOff val="0"/>
+              <a:alphaOff val="0"/>
+            </a:schemeClr>
+          </a:fillRef>
+          <a:effectRef idx="0">
+            <a:schemeClr val="lt1">
+              <a:hueOff val="0"/>
+              <a:satOff val="0"/>
+              <a:lumOff val="0"/>
+              <a:alphaOff val="0"/>
+            </a:schemeClr>
+          </a:effectRef>
+          <a:fontRef idx="minor">
+            <a:schemeClr val="dk1">
+              <a:hueOff val="0"/>
+              <a:satOff val="0"/>
+              <a:lumOff val="0"/>
+              <a:alphaOff val="0"/>
+            </a:schemeClr>
+          </a:fontRef>
+        </p:style>
+        <p:txBody>
+          <a:bodyPr/>
+          <a:lstStyle/>
+          <a:p>
+            <a:endParaRPr lang="de-DE" dirty="0"/>
+          </a:p>
+        </p:txBody>
+      </p:sp>
+      <p:sp>
+        <p:nvSpPr>
+          <p:cNvPr id="227" name="Oval 14">
+            <a:extLst>
+              <a:ext uri="{FF2B5EF4-FFF2-40B4-BE49-F238E27FC236}">
+                <a16:creationId xmlns:a16="http://schemas.microsoft.com/office/drawing/2014/main" id="{9DB40BEC-15AE-45A1-A42A-9141CA6C76C3}"/>
+              </a:ext>
+            </a:extLst>
+          </p:cNvPr>
+          <p:cNvSpPr/>
+          <p:nvPr/>
+        </p:nvSpPr>
+        <p:spPr>
+          <a:xfrm>
+            <a:off x="6980571" y="4021383"/>
+            <a:ext cx="125708" cy="126000"/>
+          </a:xfrm>
+          <a:prstGeom prst="ellipse">
+            <a:avLst/>
+          </a:prstGeom>
+          <a:solidFill>
+            <a:srgbClr val="FC6B22"/>
+          </a:solidFill>
+          <a:scene3d>
+            <a:camera prst="orthographicFront">
+              <a:rot lat="0" lon="0" rev="0"/>
+            </a:camera>
+            <a:lightRig rig="contrasting" dir="t">
+              <a:rot lat="0" lon="0" rev="1200000"/>
+            </a:lightRig>
+          </a:scene3d>
+          <a:sp3d z="300000" contourW="12700" prstMaterial="flat">
+            <a:bevelT w="177800" h="254000"/>
+            <a:bevelB w="152400"/>
+          </a:sp3d>
+        </p:spPr>
+        <p:style>
+          <a:lnRef idx="0">
+            <a:schemeClr val="accent1">
+              <a:hueOff val="0"/>
+              <a:satOff val="0"/>
+              <a:lumOff val="0"/>
+              <a:alphaOff val="0"/>
+            </a:schemeClr>
+          </a:lnRef>
+          <a:fillRef idx="1">
+            <a:schemeClr val="lt1">
+              <a:hueOff val="0"/>
+              <a:satOff val="0"/>
+              <a:lumOff val="0"/>
+              <a:alphaOff val="0"/>
+            </a:schemeClr>
+          </a:fillRef>
+          <a:effectRef idx="0">
+            <a:schemeClr val="lt1">
+              <a:hueOff val="0"/>
+              <a:satOff val="0"/>
+              <a:lumOff val="0"/>
+              <a:alphaOff val="0"/>
+            </a:schemeClr>
+          </a:effectRef>
+          <a:fontRef idx="minor">
+            <a:schemeClr val="dk1">
+              <a:hueOff val="0"/>
+              <a:satOff val="0"/>
+              <a:lumOff val="0"/>
+              <a:alphaOff val="0"/>
+            </a:schemeClr>
+          </a:fontRef>
+        </p:style>
+        <p:txBody>
+          <a:bodyPr/>
+          <a:lstStyle/>
+          <a:p>
+            <a:endParaRPr lang="de-DE" dirty="0"/>
+          </a:p>
+        </p:txBody>
+      </p:sp>
+      <p:sp>
+        <p:nvSpPr>
+          <p:cNvPr id="229" name="Oval 18">
+            <a:extLst>
+              <a:ext uri="{FF2B5EF4-FFF2-40B4-BE49-F238E27FC236}">
+                <a16:creationId xmlns:a16="http://schemas.microsoft.com/office/drawing/2014/main" id="{5B672471-B445-4EC8-9F45-D2E3A9B638E4}"/>
+              </a:ext>
+            </a:extLst>
+          </p:cNvPr>
+          <p:cNvSpPr/>
+          <p:nvPr/>
+        </p:nvSpPr>
+        <p:spPr>
+          <a:xfrm>
+            <a:off x="10197494" y="3392902"/>
+            <a:ext cx="126000" cy="126000"/>
+          </a:xfrm>
+          <a:prstGeom prst="ellipse">
+            <a:avLst/>
+          </a:prstGeom>
+          <a:solidFill>
+            <a:srgbClr val="7030A0"/>
+          </a:solidFill>
+          <a:scene3d>
+            <a:camera prst="orthographicFront">
+              <a:rot lat="0" lon="0" rev="0"/>
+            </a:camera>
+            <a:lightRig rig="contrasting" dir="t">
+              <a:rot lat="0" lon="0" rev="1200000"/>
+            </a:lightRig>
+          </a:scene3d>
+          <a:sp3d z="300000" contourW="12700" prstMaterial="flat">
+            <a:bevelT w="177800" h="254000"/>
+            <a:bevelB w="152400"/>
+          </a:sp3d>
+        </p:spPr>
+        <p:style>
+          <a:lnRef idx="0">
+            <a:schemeClr val="accent1">
+              <a:hueOff val="0"/>
+              <a:satOff val="0"/>
+              <a:lumOff val="0"/>
+              <a:alphaOff val="0"/>
+            </a:schemeClr>
+          </a:lnRef>
+          <a:fillRef idx="1">
+            <a:schemeClr val="lt1">
+              <a:hueOff val="0"/>
+              <a:satOff val="0"/>
+              <a:lumOff val="0"/>
+              <a:alphaOff val="0"/>
+            </a:schemeClr>
+          </a:fillRef>
+          <a:effectRef idx="0">
+            <a:schemeClr val="lt1">
+              <a:hueOff val="0"/>
+              <a:satOff val="0"/>
+              <a:lumOff val="0"/>
+              <a:alphaOff val="0"/>
+            </a:schemeClr>
+          </a:effectRef>
+          <a:fontRef idx="minor">
+            <a:schemeClr val="dk1">
+              <a:hueOff val="0"/>
+              <a:satOff val="0"/>
+              <a:lumOff val="0"/>
+              <a:alphaOff val="0"/>
+            </a:schemeClr>
+          </a:fontRef>
+        </p:style>
+      </p:sp>
+      <p:sp>
+        <p:nvSpPr>
+          <p:cNvPr id="231" name="Oval 16">
+            <a:extLst>
+              <a:ext uri="{FF2B5EF4-FFF2-40B4-BE49-F238E27FC236}">
+                <a16:creationId xmlns:a16="http://schemas.microsoft.com/office/drawing/2014/main" id="{F55A3CD3-8E6E-45C2-9B9D-16CF6D5D4EB8}"/>
+              </a:ext>
+            </a:extLst>
+          </p:cNvPr>
+          <p:cNvSpPr/>
+          <p:nvPr/>
+        </p:nvSpPr>
+        <p:spPr>
+          <a:xfrm>
+            <a:off x="10050634" y="3392902"/>
+            <a:ext cx="126000" cy="126000"/>
+          </a:xfrm>
+          <a:prstGeom prst="ellipse">
+            <a:avLst/>
+          </a:prstGeom>
+          <a:solidFill>
+            <a:srgbClr val="92D050"/>
+          </a:solidFill>
+          <a:scene3d>
+            <a:camera prst="orthographicFront">
+              <a:rot lat="0" lon="0" rev="0"/>
+            </a:camera>
+            <a:lightRig rig="contrasting" dir="t">
+              <a:rot lat="0" lon="0" rev="1200000"/>
+            </a:lightRig>
+          </a:scene3d>
+          <a:sp3d z="300000" contourW="12700" prstMaterial="flat">
+            <a:bevelT w="177800" h="254000"/>
+            <a:bevelB w="152400"/>
+          </a:sp3d>
+        </p:spPr>
+        <p:style>
+          <a:lnRef idx="0">
+            <a:schemeClr val="accent1">
+              <a:hueOff val="0"/>
+              <a:satOff val="0"/>
+              <a:lumOff val="0"/>
+              <a:alphaOff val="0"/>
+            </a:schemeClr>
+          </a:lnRef>
+          <a:fillRef idx="1">
+            <a:schemeClr val="lt1">
+              <a:hueOff val="0"/>
+              <a:satOff val="0"/>
+              <a:lumOff val="0"/>
+              <a:alphaOff val="0"/>
+            </a:schemeClr>
+          </a:fillRef>
+          <a:effectRef idx="0">
+            <a:schemeClr val="lt1">
+              <a:hueOff val="0"/>
+              <a:satOff val="0"/>
+              <a:lumOff val="0"/>
+              <a:alphaOff val="0"/>
+            </a:schemeClr>
+          </a:effectRef>
+          <a:fontRef idx="minor">
+            <a:schemeClr val="dk1">
+              <a:hueOff val="0"/>
+              <a:satOff val="0"/>
+              <a:lumOff val="0"/>
+              <a:alphaOff val="0"/>
+            </a:schemeClr>
+          </a:fontRef>
+        </p:style>
+      </p:sp>
+      <p:sp>
+        <p:nvSpPr>
+          <p:cNvPr id="233" name="Oval 18">
+            <a:extLst>
+              <a:ext uri="{FF2B5EF4-FFF2-40B4-BE49-F238E27FC236}">
+                <a16:creationId xmlns:a16="http://schemas.microsoft.com/office/drawing/2014/main" id="{C05367AB-6E99-410F-A0A2-87F5F165FA44}"/>
+              </a:ext>
+            </a:extLst>
+          </p:cNvPr>
+          <p:cNvSpPr/>
+          <p:nvPr/>
+        </p:nvSpPr>
+        <p:spPr>
+          <a:xfrm>
+            <a:off x="5117588" y="1921154"/>
+            <a:ext cx="126000" cy="126000"/>
+          </a:xfrm>
+          <a:prstGeom prst="ellipse">
+            <a:avLst/>
+          </a:prstGeom>
+          <a:solidFill>
+            <a:srgbClr val="7030A0"/>
+          </a:solidFill>
+          <a:scene3d>
+            <a:camera prst="orthographicFront">
+              <a:rot lat="0" lon="0" rev="0"/>
+            </a:camera>
+            <a:lightRig rig="contrasting" dir="t">
+              <a:rot lat="0" lon="0" rev="1200000"/>
+            </a:lightRig>
+          </a:scene3d>
+          <a:sp3d z="300000" contourW="12700" prstMaterial="flat">
+            <a:bevelT w="177800" h="254000"/>
+            <a:bevelB w="152400"/>
+          </a:sp3d>
+        </p:spPr>
+        <p:style>
+          <a:lnRef idx="0">
+            <a:schemeClr val="accent1">
+              <a:hueOff val="0"/>
+              <a:satOff val="0"/>
+              <a:lumOff val="0"/>
+              <a:alphaOff val="0"/>
+            </a:schemeClr>
+          </a:lnRef>
+          <a:fillRef idx="1">
+            <a:schemeClr val="lt1">
+              <a:hueOff val="0"/>
+              <a:satOff val="0"/>
+              <a:lumOff val="0"/>
+              <a:alphaOff val="0"/>
+            </a:schemeClr>
+          </a:fillRef>
+          <a:effectRef idx="0">
+            <a:schemeClr val="lt1">
+              <a:hueOff val="0"/>
+              <a:satOff val="0"/>
+              <a:lumOff val="0"/>
+              <a:alphaOff val="0"/>
+            </a:schemeClr>
+          </a:effectRef>
+          <a:fontRef idx="minor">
+            <a:schemeClr val="dk1">
+              <a:hueOff val="0"/>
+              <a:satOff val="0"/>
+              <a:lumOff val="0"/>
+              <a:alphaOff val="0"/>
+            </a:schemeClr>
+          </a:fontRef>
+        </p:style>
+      </p:sp>
+      <p:sp>
+        <p:nvSpPr>
+          <p:cNvPr id="235" name="Oval 18">
+            <a:extLst>
+              <a:ext uri="{FF2B5EF4-FFF2-40B4-BE49-F238E27FC236}">
+                <a16:creationId xmlns:a16="http://schemas.microsoft.com/office/drawing/2014/main" id="{FE725F77-3D24-4F70-9FE4-21C6F0B379B1}"/>
+              </a:ext>
+            </a:extLst>
+          </p:cNvPr>
+          <p:cNvSpPr/>
+          <p:nvPr/>
+        </p:nvSpPr>
+        <p:spPr>
+          <a:xfrm>
+            <a:off x="5117581" y="1761646"/>
+            <a:ext cx="126000" cy="126000"/>
+          </a:xfrm>
+          <a:prstGeom prst="ellipse">
+            <a:avLst/>
+          </a:prstGeom>
+          <a:solidFill>
+            <a:srgbClr val="00B0F0"/>
           </a:solidFill>
           <a:scene3d>
             <a:camera prst="orthographicFront">
